--- a/urok3/Python№3.pptx
+++ b/urok3/Python№3.pptx
@@ -12368,11 +12368,7 @@
           <a:p>
             <a:r>
               <a:rPr lang="ru-RU" dirty="0" smtClean="0"/>
-              <a:t>Методы для </a:t>
-            </a:r>
-            <a:r>
-              <a:rPr lang="ru-RU" dirty="0" smtClean="0"/>
-              <a:t>списков</a:t>
+              <a:t>Методы для списков</a:t>
             </a:r>
             <a:endParaRPr lang="ru-RU" dirty="0"/>
           </a:p>
